--- a/ppt/7-perceptron-more.pptx
+++ b/ppt/7-perceptron-more.pptx
@@ -248,7 +248,7 @@
           <a:p>
             <a:fld id="{99088BE3-65C5-2A47-8E5D-0959F8034D1C}" type="datetimeFigureOut">
               <a:rPr kumimoji="1" lang="zh-CN" altLang="en-US" smtClean="0"/>
-              <a:t>2020/12/6</a:t>
+              <a:t>2022/9/5</a:t>
             </a:fld>
             <a:endParaRPr kumimoji="1" lang="zh-CN" altLang="en-US"/>
           </a:p>
@@ -394,7 +394,7 @@
           <a:p>
             <a:fld id="{99088BE3-65C5-2A47-8E5D-0959F8034D1C}" type="datetimeFigureOut">
               <a:rPr kumimoji="1" lang="zh-CN" altLang="en-US" smtClean="0"/>
-              <a:t>2020/12/6</a:t>
+              <a:t>2022/9/5</a:t>
             </a:fld>
             <a:endParaRPr kumimoji="1" lang="zh-CN" altLang="en-US"/>
           </a:p>
@@ -550,7 +550,7 @@
           <a:p>
             <a:fld id="{99088BE3-65C5-2A47-8E5D-0959F8034D1C}" type="datetimeFigureOut">
               <a:rPr kumimoji="1" lang="zh-CN" altLang="en-US" smtClean="0"/>
-              <a:t>2020/12/6</a:t>
+              <a:t>2022/9/5</a:t>
             </a:fld>
             <a:endParaRPr kumimoji="1" lang="zh-CN" altLang="en-US"/>
           </a:p>
@@ -696,7 +696,7 @@
           <a:p>
             <a:fld id="{99088BE3-65C5-2A47-8E5D-0959F8034D1C}" type="datetimeFigureOut">
               <a:rPr kumimoji="1" lang="zh-CN" altLang="en-US" smtClean="0"/>
-              <a:t>2020/12/6</a:t>
+              <a:t>2022/9/5</a:t>
             </a:fld>
             <a:endParaRPr kumimoji="1" lang="zh-CN" altLang="en-US"/>
           </a:p>
@@ -945,7 +945,7 @@
           <a:p>
             <a:fld id="{99088BE3-65C5-2A47-8E5D-0959F8034D1C}" type="datetimeFigureOut">
               <a:rPr kumimoji="1" lang="zh-CN" altLang="en-US" smtClean="0"/>
-              <a:t>2020/12/6</a:t>
+              <a:t>2022/9/5</a:t>
             </a:fld>
             <a:endParaRPr kumimoji="1" lang="zh-CN" altLang="en-US"/>
           </a:p>
@@ -1129,7 +1129,7 @@
           <a:p>
             <a:fld id="{99088BE3-65C5-2A47-8E5D-0959F8034D1C}" type="datetimeFigureOut">
               <a:rPr kumimoji="1" lang="zh-CN" altLang="en-US" smtClean="0"/>
-              <a:t>2020/12/6</a:t>
+              <a:t>2022/9/5</a:t>
             </a:fld>
             <a:endParaRPr kumimoji="1" lang="zh-CN" altLang="en-US"/>
           </a:p>
@@ -1458,7 +1458,7 @@
           <a:p>
             <a:fld id="{99088BE3-65C5-2A47-8E5D-0959F8034D1C}" type="datetimeFigureOut">
               <a:rPr kumimoji="1" lang="zh-CN" altLang="en-US" smtClean="0"/>
-              <a:t>2020/12/6</a:t>
+              <a:t>2022/9/5</a:t>
             </a:fld>
             <a:endParaRPr kumimoji="1" lang="zh-CN" altLang="en-US"/>
           </a:p>
@@ -1576,7 +1576,7 @@
           <a:p>
             <a:fld id="{99088BE3-65C5-2A47-8E5D-0959F8034D1C}" type="datetimeFigureOut">
               <a:rPr kumimoji="1" lang="zh-CN" altLang="en-US" smtClean="0"/>
-              <a:t>2020/12/6</a:t>
+              <a:t>2022/9/5</a:t>
             </a:fld>
             <a:endParaRPr kumimoji="1" lang="zh-CN" altLang="en-US"/>
           </a:p>
@@ -1671,7 +1671,7 @@
           <a:p>
             <a:fld id="{99088BE3-65C5-2A47-8E5D-0959F8034D1C}" type="datetimeFigureOut">
               <a:rPr kumimoji="1" lang="zh-CN" altLang="en-US" smtClean="0"/>
-              <a:t>2020/12/6</a:t>
+              <a:t>2022/9/5</a:t>
             </a:fld>
             <a:endParaRPr kumimoji="1" lang="zh-CN" altLang="en-US"/>
           </a:p>
@@ -1929,7 +1929,7 @@
           <a:p>
             <a:fld id="{99088BE3-65C5-2A47-8E5D-0959F8034D1C}" type="datetimeFigureOut">
               <a:rPr kumimoji="1" lang="zh-CN" altLang="en-US" smtClean="0"/>
-              <a:t>2020/12/6</a:t>
+              <a:t>2022/9/5</a:t>
             </a:fld>
             <a:endParaRPr kumimoji="1" lang="zh-CN" altLang="en-US"/>
           </a:p>
@@ -2191,7 +2191,7 @@
           <a:p>
             <a:fld id="{99088BE3-65C5-2A47-8E5D-0959F8034D1C}" type="datetimeFigureOut">
               <a:rPr kumimoji="1" lang="zh-CN" altLang="en-US" smtClean="0"/>
-              <a:t>2020/12/6</a:t>
+              <a:t>2022/9/5</a:t>
             </a:fld>
             <a:endParaRPr kumimoji="1" lang="zh-CN" altLang="en-US"/>
           </a:p>
@@ -2380,7 +2380,7 @@
           <a:p>
             <a:fld id="{99088BE3-65C5-2A47-8E5D-0959F8034D1C}" type="datetimeFigureOut">
               <a:rPr kumimoji="1" lang="zh-CN" altLang="en-US" smtClean="0"/>
-              <a:t>2020/12/6</a:t>
+              <a:t>2022/9/5</a:t>
             </a:fld>
             <a:endParaRPr kumimoji="1" lang="zh-CN" altLang="en-US"/>
           </a:p>
